--- a/Process.pptx
+++ b/Process.pptx
@@ -3739,7 +3739,7 @@
         </p:blipFill>
         <p:spPr bwMode="auto">
           <a:xfrm>
-            <a:off x="3410132" y="2297704"/>
+            <a:off x="3183990" y="2297704"/>
             <a:ext cx="1256746" cy="706920"/>
           </a:xfrm>
           <a:prstGeom prst="rect">
@@ -3771,7 +3771,7 @@
         </p:nvCxnSpPr>
         <p:spPr>
           <a:xfrm>
-            <a:off x="2926644" y="992011"/>
+            <a:off x="2700502" y="992011"/>
             <a:ext cx="0" cy="4899378"/>
           </a:xfrm>
           <a:prstGeom prst="line">
@@ -3810,7 +3810,7 @@
         </p:nvCxnSpPr>
         <p:spPr>
           <a:xfrm>
-            <a:off x="5105186" y="992011"/>
+            <a:off x="4879044" y="992011"/>
             <a:ext cx="0" cy="4899378"/>
           </a:xfrm>
           <a:prstGeom prst="line">
@@ -3849,7 +3849,7 @@
         </p:nvCxnSpPr>
         <p:spPr>
           <a:xfrm>
-            <a:off x="6820553" y="1014722"/>
+            <a:off x="6594411" y="1014722"/>
             <a:ext cx="0" cy="4899378"/>
           </a:xfrm>
           <a:prstGeom prst="line">
@@ -3888,7 +3888,7 @@
         </p:nvCxnSpPr>
         <p:spPr>
           <a:xfrm>
-            <a:off x="8601024" y="992011"/>
+            <a:off x="8374882" y="992011"/>
             <a:ext cx="0" cy="4899378"/>
           </a:xfrm>
           <a:prstGeom prst="line">
@@ -3927,7 +3927,7 @@
         </p:nvSpPr>
         <p:spPr>
           <a:xfrm>
-            <a:off x="1126579" y="807345"/>
+            <a:off x="581854" y="814590"/>
             <a:ext cx="1661032" cy="369332"/>
           </a:xfrm>
           <a:prstGeom prst="rect">
@@ -3967,7 +3967,7 @@
         </p:nvSpPr>
         <p:spPr>
           <a:xfrm>
-            <a:off x="2942821" y="807345"/>
+            <a:off x="2788822" y="803270"/>
             <a:ext cx="2153313" cy="646331"/>
           </a:xfrm>
           <a:prstGeom prst="rect">
@@ -4013,7 +4013,7 @@
         </p:nvSpPr>
         <p:spPr>
           <a:xfrm>
-            <a:off x="5166974" y="814590"/>
+            <a:off x="4917796" y="740726"/>
             <a:ext cx="1552352" cy="923330"/>
           </a:xfrm>
           <a:prstGeom prst="rect">
@@ -4054,7 +4054,7 @@
         </p:nvSpPr>
         <p:spPr>
           <a:xfrm>
-            <a:off x="6896218" y="814590"/>
+            <a:off x="6670076" y="814590"/>
             <a:ext cx="1552352" cy="369332"/>
           </a:xfrm>
           <a:prstGeom prst="rect">
@@ -4095,7 +4095,7 @@
         </p:nvSpPr>
         <p:spPr>
           <a:xfrm>
-            <a:off x="8745069" y="853511"/>
+            <a:off x="8518927" y="853511"/>
             <a:ext cx="1552352" cy="369332"/>
           </a:xfrm>
           <a:prstGeom prst="rect">
@@ -4136,7 +4136,7 @@
         </p:nvCxnSpPr>
         <p:spPr>
           <a:xfrm>
-            <a:off x="2654300" y="3154142"/>
+            <a:off x="2428158" y="3154142"/>
             <a:ext cx="584200" cy="0"/>
           </a:xfrm>
           <a:prstGeom prst="straightConnector1">
@@ -4175,7 +4175,7 @@
         </p:nvCxnSpPr>
         <p:spPr>
           <a:xfrm>
-            <a:off x="4813086" y="3172023"/>
+            <a:off x="4586944" y="3172023"/>
             <a:ext cx="584200" cy="0"/>
           </a:xfrm>
           <a:prstGeom prst="straightConnector1">
@@ -4216,7 +4216,7 @@
         </p:nvCxnSpPr>
         <p:spPr>
           <a:xfrm>
-            <a:off x="6562524" y="3151165"/>
+            <a:off x="6336382" y="3151165"/>
             <a:ext cx="433042" cy="0"/>
           </a:xfrm>
           <a:prstGeom prst="straightConnector1">
@@ -4257,7 +4257,7 @@
         </p:nvCxnSpPr>
         <p:spPr>
           <a:xfrm>
-            <a:off x="8448570" y="3151165"/>
+            <a:off x="8222428" y="3151165"/>
             <a:ext cx="444554" cy="0"/>
           </a:xfrm>
           <a:prstGeom prst="straightConnector1">
@@ -4296,7 +4296,7 @@
         </p:nvSpPr>
         <p:spPr>
           <a:xfrm>
-            <a:off x="7054760" y="3018134"/>
+            <a:off x="6828618" y="3018134"/>
             <a:ext cx="1326358" cy="307777"/>
           </a:xfrm>
           <a:prstGeom prst="rect">
@@ -4338,7 +4338,7 @@
         </p:nvSpPr>
         <p:spPr>
           <a:xfrm>
-            <a:off x="5359212" y="4085986"/>
+            <a:off x="5133070" y="4085986"/>
             <a:ext cx="1345031" cy="307777"/>
           </a:xfrm>
           <a:prstGeom prst="rect">
@@ -4391,7 +4391,7 @@
         </p:blipFill>
         <p:spPr bwMode="auto">
           <a:xfrm>
-            <a:off x="3516788" y="3305063"/>
+            <a:off x="3290646" y="3305063"/>
             <a:ext cx="957296" cy="598310"/>
           </a:xfrm>
           <a:prstGeom prst="rect">
@@ -4423,7 +4423,7 @@
         </p:nvSpPr>
         <p:spPr>
           <a:xfrm>
-            <a:off x="3557747" y="3929856"/>
+            <a:off x="3331605" y="3929856"/>
             <a:ext cx="1245842" cy="307777"/>
           </a:xfrm>
           <a:prstGeom prst="rect">
@@ -4480,8 +4480,8 @@
         </p:blipFill>
         <p:spPr bwMode="auto">
           <a:xfrm>
-            <a:off x="375162" y="2732549"/>
-            <a:ext cx="2188290" cy="369331"/>
+            <a:off x="487432" y="2732549"/>
+            <a:ext cx="1849877" cy="312215"/>
           </a:xfrm>
           <a:prstGeom prst="rect">
             <a:avLst/>
@@ -4527,7 +4527,7 @@
         </p:blipFill>
         <p:spPr bwMode="auto">
           <a:xfrm>
-            <a:off x="5529287" y="2222500"/>
+            <a:off x="5303145" y="2222500"/>
             <a:ext cx="782124" cy="782124"/>
           </a:xfrm>
           <a:prstGeom prst="rect">
@@ -4573,7 +4573,7 @@
         </p:blipFill>
         <p:spPr>
           <a:xfrm>
-            <a:off x="5535674" y="3366756"/>
+            <a:off x="5309532" y="3366756"/>
             <a:ext cx="840811" cy="840811"/>
           </a:xfrm>
           <a:prstGeom prst="rect">
@@ -4603,7 +4603,7 @@
         </p:blipFill>
         <p:spPr>
           <a:xfrm>
-            <a:off x="6948240" y="2419528"/>
+            <a:off x="6722098" y="2419528"/>
             <a:ext cx="1605179" cy="538079"/>
           </a:xfrm>
           <a:prstGeom prst="rect">
@@ -4640,7 +4640,7 @@
         </p:blipFill>
         <p:spPr bwMode="auto">
           <a:xfrm>
-            <a:off x="8963047" y="2410003"/>
+            <a:off x="8666982" y="2403554"/>
             <a:ext cx="1495221" cy="1495221"/>
           </a:xfrm>
           <a:prstGeom prst="rect">
@@ -4672,7 +4672,7 @@
         </p:nvSpPr>
         <p:spPr>
           <a:xfrm>
-            <a:off x="748103" y="3182120"/>
+            <a:off x="487433" y="3287952"/>
             <a:ext cx="1779654" cy="646331"/>
           </a:xfrm>
           <a:prstGeom prst="rect">
@@ -4706,6 +4706,133 @@
           </a:p>
         </p:txBody>
       </p:sp>
+      <p:pic>
+        <p:nvPicPr>
+          <p:cNvPr id="2" name="Picture 14" descr="GitHub Logo and symbol, meaning, history, PNG, brand">
+            <a:extLst>
+              <a:ext uri="{FF2B5EF4-FFF2-40B4-BE49-F238E27FC236}">
+                <a16:creationId xmlns:a16="http://schemas.microsoft.com/office/drawing/2014/main" id="{FE3B34FA-B241-109C-5FB4-BB2328D90A64}"/>
+              </a:ext>
+            </a:extLst>
+          </p:cNvPr>
+          <p:cNvPicPr>
+            <a:picLocks noChangeAspect="1" noChangeArrowheads="1"/>
+          </p:cNvPicPr>
+          <p:nvPr/>
+        </p:nvPicPr>
+        <p:blipFill>
+          <a:blip r:embed="rId9">
+            <a:extLst>
+              <a:ext uri="{28A0092B-C50C-407E-A947-70E740481C1C}">
+                <a14:useLocalDpi xmlns:a14="http://schemas.microsoft.com/office/drawing/2010/main" val="0"/>
+              </a:ext>
+            </a:extLst>
+          </a:blip>
+          <a:srcRect/>
+          <a:stretch>
+            <a:fillRect/>
+          </a:stretch>
+        </p:blipFill>
+        <p:spPr bwMode="auto">
+          <a:xfrm>
+            <a:off x="10200270" y="2543062"/>
+            <a:ext cx="1886500" cy="1061156"/>
+          </a:xfrm>
+          <a:prstGeom prst="rect">
+            <a:avLst/>
+          </a:prstGeom>
+          <a:noFill/>
+          <a:extLst>
+            <a:ext uri="{909E8E84-426E-40DD-AFC4-6F175D3DCCD1}">
+              <a14:hiddenFill xmlns:a14="http://schemas.microsoft.com/office/drawing/2010/main">
+                <a:solidFill>
+                  <a:srgbClr val="FFFFFF"/>
+                </a:solidFill>
+              </a14:hiddenFill>
+            </a:ext>
+          </a:extLst>
+        </p:spPr>
+      </p:pic>
+      <p:sp>
+        <p:nvSpPr>
+          <p:cNvPr id="4" name="TextBox 3">
+            <a:extLst>
+              <a:ext uri="{FF2B5EF4-FFF2-40B4-BE49-F238E27FC236}">
+                <a16:creationId xmlns:a16="http://schemas.microsoft.com/office/drawing/2014/main" id="{E36BC92D-1E1D-67B6-6C80-96532B7A9781}"/>
+              </a:ext>
+            </a:extLst>
+          </p:cNvPr>
+          <p:cNvSpPr txBox="1"/>
+          <p:nvPr/>
+        </p:nvSpPr>
+        <p:spPr>
+          <a:xfrm>
+            <a:off x="10367344" y="863810"/>
+            <a:ext cx="1552352" cy="369332"/>
+          </a:xfrm>
+          <a:prstGeom prst="rect">
+            <a:avLst/>
+          </a:prstGeom>
+          <a:noFill/>
+        </p:spPr>
+        <p:txBody>
+          <a:bodyPr wrap="square">
+            <a:spAutoFit/>
+          </a:bodyPr>
+          <a:lstStyle/>
+          <a:p>
+            <a:pPr algn="ctr"/>
+            <a:r>
+              <a:rPr lang="en-GB" b="1" i="1" u="sng" dirty="0">
+                <a:latin typeface="Abadi" panose="020B0604020104020204" pitchFamily="34" charset="0"/>
+              </a:rPr>
+              <a:t>Repository</a:t>
+            </a:r>
+            <a:endParaRPr lang="en-IN" b="1" i="1" u="sng" dirty="0">
+              <a:latin typeface="Abadi" panose="020B0604020104020204" pitchFamily="34" charset="0"/>
+            </a:endParaRPr>
+          </a:p>
+        </p:txBody>
+      </p:sp>
+      <p:cxnSp>
+        <p:nvCxnSpPr>
+          <p:cNvPr id="10" name="Straight Connector 9">
+            <a:extLst>
+              <a:ext uri="{FF2B5EF4-FFF2-40B4-BE49-F238E27FC236}">
+                <a16:creationId xmlns:a16="http://schemas.microsoft.com/office/drawing/2014/main" id="{DD47942D-ED94-CCFF-33B9-AD0A38F0E471}"/>
+              </a:ext>
+            </a:extLst>
+          </p:cNvPr>
+          <p:cNvCxnSpPr/>
+          <p:nvPr/>
+        </p:nvCxnSpPr>
+        <p:spPr>
+          <a:xfrm>
+            <a:off x="10164917" y="1014722"/>
+            <a:ext cx="0" cy="4899378"/>
+          </a:xfrm>
+          <a:prstGeom prst="line">
+            <a:avLst/>
+          </a:prstGeom>
+          <a:ln>
+            <a:prstDash val="dashDot"/>
+          </a:ln>
+        </p:spPr>
+        <p:style>
+          <a:lnRef idx="1">
+            <a:schemeClr val="accent1"/>
+          </a:lnRef>
+          <a:fillRef idx="0">
+            <a:schemeClr val="accent1"/>
+          </a:fillRef>
+          <a:effectRef idx="0">
+            <a:schemeClr val="accent1"/>
+          </a:effectRef>
+          <a:fontRef idx="minor">
+            <a:schemeClr val="tx1"/>
+          </a:fontRef>
+        </p:style>
+      </p:cxnSp>
     </p:spTree>
     <p:extLst>
       <p:ext uri="{BB962C8B-B14F-4D97-AF65-F5344CB8AC3E}">
